--- a/Later/Spring/5_Spring_Basic/2/Spring inner bean examples_setter.pptx
+++ b/Later/Spring/5_Spring_Basic/2/Spring inner bean examples_setter.pptx
@@ -194,7 +194,7 @@
           <a:p>
             <a:fld id="{62274EC6-3890-417B-9308-14EFBD00FA63}" type="datetimeFigureOut">
               <a:rPr lang="en-US" smtClean="0"/>
-              <a:t>2/22/2018</a:t>
+              <a:t>2/26/2018</a:t>
             </a:fld>
             <a:endParaRPr lang="en-US" dirty="0"/>
           </a:p>
@@ -911,7 +911,7 @@
             <a:fld id="{1D8BD707-D9CF-40AE-B4C6-C98DA3205C09}" type="datetimeFigureOut">
               <a:rPr lang="en-US" smtClean="0"/>
               <a:pPr/>
-              <a:t>2/22/2018</a:t>
+              <a:t>2/26/2018</a:t>
             </a:fld>
             <a:endParaRPr lang="en-US" dirty="0"/>
           </a:p>
@@ -1083,7 +1083,7 @@
             <a:fld id="{1D8BD707-D9CF-40AE-B4C6-C98DA3205C09}" type="datetimeFigureOut">
               <a:rPr lang="en-US" smtClean="0"/>
               <a:pPr/>
-              <a:t>2/22/2018</a:t>
+              <a:t>2/26/2018</a:t>
             </a:fld>
             <a:endParaRPr lang="en-US" dirty="0"/>
           </a:p>
@@ -1265,7 +1265,7 @@
             <a:fld id="{1D8BD707-D9CF-40AE-B4C6-C98DA3205C09}" type="datetimeFigureOut">
               <a:rPr lang="en-US" smtClean="0"/>
               <a:pPr/>
-              <a:t>2/22/2018</a:t>
+              <a:t>2/26/2018</a:t>
             </a:fld>
             <a:endParaRPr lang="en-US" dirty="0"/>
           </a:p>
@@ -1437,7 +1437,7 @@
             <a:fld id="{1D8BD707-D9CF-40AE-B4C6-C98DA3205C09}" type="datetimeFigureOut">
               <a:rPr lang="en-US" smtClean="0"/>
               <a:pPr/>
-              <a:t>2/22/2018</a:t>
+              <a:t>2/26/2018</a:t>
             </a:fld>
             <a:endParaRPr lang="en-US" dirty="0"/>
           </a:p>
@@ -1685,7 +1685,7 @@
             <a:fld id="{1D8BD707-D9CF-40AE-B4C6-C98DA3205C09}" type="datetimeFigureOut">
               <a:rPr lang="en-US" smtClean="0"/>
               <a:pPr/>
-              <a:t>2/22/2018</a:t>
+              <a:t>2/26/2018</a:t>
             </a:fld>
             <a:endParaRPr lang="en-US" dirty="0"/>
           </a:p>
@@ -1975,7 +1975,7 @@
             <a:fld id="{1D8BD707-D9CF-40AE-B4C6-C98DA3205C09}" type="datetimeFigureOut">
               <a:rPr lang="en-US" smtClean="0"/>
               <a:pPr/>
-              <a:t>2/22/2018</a:t>
+              <a:t>2/26/2018</a:t>
             </a:fld>
             <a:endParaRPr lang="en-US" dirty="0"/>
           </a:p>
@@ -2404,7 +2404,7 @@
             <a:fld id="{1D8BD707-D9CF-40AE-B4C6-C98DA3205C09}" type="datetimeFigureOut">
               <a:rPr lang="en-US" smtClean="0"/>
               <a:pPr/>
-              <a:t>2/22/2018</a:t>
+              <a:t>2/26/2018</a:t>
             </a:fld>
             <a:endParaRPr lang="en-US" dirty="0"/>
           </a:p>
@@ -2524,7 +2524,7 @@
             <a:fld id="{1D8BD707-D9CF-40AE-B4C6-C98DA3205C09}" type="datetimeFigureOut">
               <a:rPr lang="en-US" smtClean="0"/>
               <a:pPr/>
-              <a:t>2/22/2018</a:t>
+              <a:t>2/26/2018</a:t>
             </a:fld>
             <a:endParaRPr lang="en-US" dirty="0"/>
           </a:p>
@@ -2621,7 +2621,7 @@
             <a:fld id="{1D8BD707-D9CF-40AE-B4C6-C98DA3205C09}" type="datetimeFigureOut">
               <a:rPr lang="en-US" smtClean="0"/>
               <a:pPr/>
-              <a:t>2/22/2018</a:t>
+              <a:t>2/26/2018</a:t>
             </a:fld>
             <a:endParaRPr lang="en-US" dirty="0"/>
           </a:p>
@@ -2900,7 +2900,7 @@
             <a:fld id="{1D8BD707-D9CF-40AE-B4C6-C98DA3205C09}" type="datetimeFigureOut">
               <a:rPr lang="en-US" smtClean="0"/>
               <a:pPr/>
-              <a:t>2/22/2018</a:t>
+              <a:t>2/26/2018</a:t>
             </a:fld>
             <a:endParaRPr lang="en-US" dirty="0"/>
           </a:p>
@@ -3155,7 +3155,7 @@
             <a:fld id="{1D8BD707-D9CF-40AE-B4C6-C98DA3205C09}" type="datetimeFigureOut">
               <a:rPr lang="en-US" smtClean="0"/>
               <a:pPr/>
-              <a:t>2/22/2018</a:t>
+              <a:t>2/26/2018</a:t>
             </a:fld>
             <a:endParaRPr lang="en-US" dirty="0"/>
           </a:p>
@@ -3370,7 +3370,7 @@
             <a:fld id="{1D8BD707-D9CF-40AE-B4C6-C98DA3205C09}" type="datetimeFigureOut">
               <a:rPr lang="en-US" smtClean="0"/>
               <a:pPr/>
-              <a:t>2/22/2018</a:t>
+              <a:t>2/26/2018</a:t>
             </a:fld>
             <a:endParaRPr lang="en-US" dirty="0"/>
           </a:p>
@@ -4321,52 +4321,6 @@
           </a:fontRef>
         </p:style>
       </p:pic>
-      <p:pic>
-        <p:nvPicPr>
-          <p:cNvPr id="2054" name="Picture 6"/>
-          <p:cNvPicPr>
-            <a:picLocks noChangeAspect="1" noChangeArrowheads="1"/>
-          </p:cNvPicPr>
-          <p:nvPr/>
-        </p:nvPicPr>
-        <p:blipFill>
-          <a:blip r:embed="rId4">
-            <a:extLst>
-              <a:ext uri="{28A0092B-C50C-407E-A947-70E740481C1C}">
-                <a14:useLocalDpi xmlns:a14="http://schemas.microsoft.com/office/drawing/2010/main" val="0"/>
-              </a:ext>
-            </a:extLst>
-          </a:blip>
-          <a:srcRect/>
-          <a:stretch>
-            <a:fillRect/>
-          </a:stretch>
-        </p:blipFill>
-        <p:spPr bwMode="auto">
-          <a:xfrm>
-            <a:off x="4879181" y="2657475"/>
-            <a:ext cx="3814762" cy="2300768"/>
-          </a:xfrm>
-          <a:prstGeom prst="rect">
-            <a:avLst/>
-          </a:prstGeom>
-          <a:ln/>
-        </p:spPr>
-        <p:style>
-          <a:lnRef idx="1">
-            <a:schemeClr val="accent4"/>
-          </a:lnRef>
-          <a:fillRef idx="2">
-            <a:schemeClr val="accent4"/>
-          </a:fillRef>
-          <a:effectRef idx="1">
-            <a:schemeClr val="accent4"/>
-          </a:effectRef>
-          <a:fontRef idx="minor">
-            <a:schemeClr val="dk1"/>
-          </a:fontRef>
-        </p:style>
-      </p:pic>
       <p:sp>
         <p:nvSpPr>
           <p:cNvPr id="3" name="AutoShape 2" descr="data:image/png;base64,iVBORw0KGgoAAAANSUhEUgAAANEAAADxCAMAAABiSKLrAAAAbFBMVEWIiIj////6+vr29vb19fX4+Pj5+fnu7u77+/v39/f9/f3z8/P+/v709PT8/Pyqqqrt7e3v7+/w8PDx8fHy8vK+vr7Q0NCjo6OBgYHY2Njk5OTHx8eNjY3c3NzGxsbn5+eWlpa1tbWcnJx6enob4+f+AAAIqklEQVR4nO3dCZuaOhQGYEZAh0FkX2W1//8/lkVMICeIkRmOPHz22lYg5OVEZLFzJRNrnC+xSGt3nJvQekMUYktnEiM1ouDrjCs/pukLkzoRtpjmNRcloRUFoiS8oo5UvLwsYpEgCaXoHLYiMRJqkRAJt0iEhFwkQMIqCgJRElpRLErCL3r1oxavSJSEWCRIQikyOtGQNPd8CaXICc04FiXhFomQkIsESChFbmhmwiT0opf3eBivMzSjLuORnh49oKxRKxIloayR24oESShFRScSI6EUJaGZCJNwiwhp/skFcpFAlbCLXiehF71MQisSJiEVVYkwqRP9oEpXI1HSXXRuWjo/2jz3f3v8YfjS7871lbU1EiT1IjrAKrvX/2iurzisijkk8OQC5ah7iERIyEUCJOyi10noRU9J490DUpFPRAApniJhFVnzSaOdOF6RKAmlKGhFgiTMohdIyYeIhEh30aV99E9NLo8VXLqn++Q/mIuIREid6DJsv32s91Ityi1hEtJRl5+ESX2NMKUR2ZYoCbNIjIRV5FiiJIyicx7mriVEKnCKfvxadBIloRQ1NTqJkcICpcgPr7rjOPYJZnFNbZVwikw/YHNlXmDi4xW9kU70jSnNqOu/xL4R0aWg3yNMgNHWp0I66i7Dy5PsdXFuApw1Eg8RndfuykLZa4Q/512EPrsIfzYtOmwje43wh4h+1u7KQvm5bk601wh9NlijXYQ+uwh/HqLrZkTXh+h4PDQP8lQ/PvAlSrT2xl0oRHQ5biOXXYQ+uwh/dhH+7CL82bRI3Ua2XKPvtTfuQvneReizi/BnF+HPLsKfTYu0bYQWsd5PfImIDmtv3IVy2EXos4vwZxfhzy7CH0okbyO7CH+2/D46rr1xF8pxF6HPLsKfXYQ/uwh/KJGyjWxatPZwWShEpK69cReKuovQZxfhzy7Cn12EP0SkGduItmHRzFF3P3r63ZHzTl4YdYqsHg/e/YdF2e7xcFRVrba109gMFp2evGhmjzpFVZLcvJVpl7K8hWaVB1liNVNdJh7VZ4Wd7P4aaa5I866lFEnDRHWksC5eVgtH8VWy8PHGTE5V/rr+QqSocTnm9CpTM+SMmRhVVJcPKbPYv5VFcs7x1F3P1eeikl1sXZHGB0lRLH+eSI75ICk6KZ8nctkOkaQN+cNEWjBRIimU0YpkHY4hmxOgqNIMHRaRJo6giLO+dyM/F1nsvpfqWVAv92Eihe0u3bNE+TgR/FkURfWhUHPMIBsguh6N0yKNs7o/EGkVIEpj+XA8fltJ0GzqDxMdQwBka+2gqQ/p9FYkpaNIiEXuje3OddQfg738rFCTcYmME9sdKXntbY1MBOy802JrotJ6bSUiInLia7y2+aZEbXuyxXbn5vXXGQazDs+6xUWGoql2kXU/DDrOssLWNFmZ65oQufeflwvU6PHDdO8ki/0xu/Rb7RVRvZNJgupW7y3bU+T6JLnej97MPLNUhbPIbJEV9U2y/eknHds5lfhfNMo/sb23oRX5LQXWGUmpGdtz3nxEpOiep7eP+5MFUEZJj+0SCnsCVX/CkrZUQFRvQG+8RkNOzHTi5LL0rW6x8YL0bwolGtdolqir0fQxAyQCNrdsVczFmdFS6fXp+4kSecPMEqntrAYkkklTYI288frkYKI+j+XCYtzRUdCIdMV/7mkWTDNmY6AU6bo5C9QknqwSEpFuzAdJUjZFQiJSoFMWfhIDu0ievDjD5ubquEV6AjVet3krU3B/Hvn8cYdDBJxUSlKVaJqmWvENMiXcImEQKcCYi26W1nZaN9SAXXFkcos0JZpxXLeICDpLDnVSBDkDusAtEhGN72p5J78LcMbn9+nudemgiDSlASLF66cC20NKbZ3qCnAnIfKp9gcxiIjVPj8/8mbVCBY9VsNes42C4YgBrgyUJ06NpkRdCuD8yB418pYIOkl2hyuQ2SOkKOMMO4M76vrBB4sG84Cjjrr5Cooeo4TdLwyGbLsC4IKgD93dHY66lUQye7gQxfqgfdcDhr7JeSOtLoL2dOn4KEdX2E+s0hp24j3RaUERsPnLLBmlYPceaYJVBB0Bja85p8ANn3rXgFX02kEqaSGAeywoGs7zjghYdqYoxyp68USCtMDZfX+wqHomav53fkBcWDSYx4NEBpkuAyLj3oSwSDIVsMM6ETVAp/3V/KG2tP/xRPRccI1IW7Comyr8PupE9052bbW/0yLHpX/1T1wRmQuskULa4oqcd/Z1pjLu6li0zqgDP49m5fmo+2NR3z50zFBYczLsBB6Rxx6y8Q5wRoE7LCaylhM5BnTs7cGdmZP1RZzdygeLXOjW9fg94jYXUnjjbBHRcJ5nImVKBA67fFgkL/HzIE4KRW7vM0/i/kQ0WSPHg75KldHdqc+h7pfZ0jKs/GuDM3hvNSLizSEqoroE1Yia7ELf00kIWS/o09z+EmLA6bC3hMh9TwRskDq51x47e4Zzhc73Qt64wyByPOjmUVT6cZZkcQV+0zxNflX05qgD36tSe3MilcCr1FLEe9sPRDYYjmgwD1wjMl1hm4h0ugF43PETVd6wB3RbKES2Pu+2cr9waHFBWESO+8JtyxrkckFYRDa8dxAAoRHNH3hRNTHkUIlsY9Z3TqR6LzcFokScSsKi4TzPRMYske0VT78XJJkJZ8uTzojV6FdEtmNkE9/diqLUzJTpAtmzalQyF6FvI5ETA9+OpraQwTYhwRvQMYqryX6sNn8vq8AynnqoGuXuCY7N/vMR3R7N47DzePR04J+gjJt4rM7V3SzwzbC8FzYtb2Z1jQtDd3nLDOLmD1E9v90++qfT4Lfh5N+cq/508shXb5st6Ll1cWa2RYu2EUo0p6QfkF2EP7sIf3YR/hCRs3ZXFoqzYdEGR92su1D4Q486yzq1D/L0iS85W67R2l1ZKLsIfzYs4l05+bg8rpxU/lZS3UXbyvZE/wFXu+LXNTDaDQAAAABJRU5ErkJggg=="/>
@@ -4696,7 +4650,6 @@
               <a:rPr lang="en-US" sz="1200" dirty="0"/>
               <a:t>‘.</a:t>
             </a:r>
-            <a:endParaRPr lang="en-US" sz="1200" dirty="0"/>
           </a:p>
         </p:txBody>
       </p:sp>
@@ -4785,7 +4738,6 @@
               <a:rPr lang="en-US" sz="1200" dirty="0"/>
               <a:t>property</a:t>
             </a:r>
-            <a:endParaRPr lang="en-US" sz="1200" dirty="0"/>
           </a:p>
         </p:txBody>
       </p:sp>
@@ -5011,7 +4963,6 @@
               <a:rPr lang="en-US" sz="1200" dirty="0"/>
               <a:t>2</a:t>
             </a:r>
-            <a:endParaRPr lang="en-US" sz="1200" dirty="0"/>
           </a:p>
         </p:txBody>
       </p:sp>
